--- a/figures/figure_1.pptx
+++ b/figures/figure_1.pptx
@@ -261,7 +261,7 @@
           <a:p>
             <a:fld id="{488F6844-20DC-4406-9125-387AEFBEB0D1}" type="datetimeFigureOut">
               <a:rPr lang="de-AT" smtClean="0"/>
-              <a:t>25.10.2025</a:t>
+              <a:t>03.12.2025</a:t>
             </a:fld>
             <a:endParaRPr lang="de-AT"/>
           </a:p>
@@ -461,7 +461,7 @@
           <a:p>
             <a:fld id="{488F6844-20DC-4406-9125-387AEFBEB0D1}" type="datetimeFigureOut">
               <a:rPr lang="de-AT" smtClean="0"/>
-              <a:t>25.10.2025</a:t>
+              <a:t>03.12.2025</a:t>
             </a:fld>
             <a:endParaRPr lang="de-AT"/>
           </a:p>
@@ -671,7 +671,7 @@
           <a:p>
             <a:fld id="{488F6844-20DC-4406-9125-387AEFBEB0D1}" type="datetimeFigureOut">
               <a:rPr lang="de-AT" smtClean="0"/>
-              <a:t>25.10.2025</a:t>
+              <a:t>03.12.2025</a:t>
             </a:fld>
             <a:endParaRPr lang="de-AT"/>
           </a:p>
@@ -871,7 +871,7 @@
           <a:p>
             <a:fld id="{488F6844-20DC-4406-9125-387AEFBEB0D1}" type="datetimeFigureOut">
               <a:rPr lang="de-AT" smtClean="0"/>
-              <a:t>25.10.2025</a:t>
+              <a:t>03.12.2025</a:t>
             </a:fld>
             <a:endParaRPr lang="de-AT"/>
           </a:p>
@@ -1147,7 +1147,7 @@
           <a:p>
             <a:fld id="{488F6844-20DC-4406-9125-387AEFBEB0D1}" type="datetimeFigureOut">
               <a:rPr lang="de-AT" smtClean="0"/>
-              <a:t>25.10.2025</a:t>
+              <a:t>03.12.2025</a:t>
             </a:fld>
             <a:endParaRPr lang="de-AT"/>
           </a:p>
@@ -1415,7 +1415,7 @@
           <a:p>
             <a:fld id="{488F6844-20DC-4406-9125-387AEFBEB0D1}" type="datetimeFigureOut">
               <a:rPr lang="de-AT" smtClean="0"/>
-              <a:t>25.10.2025</a:t>
+              <a:t>03.12.2025</a:t>
             </a:fld>
             <a:endParaRPr lang="de-AT"/>
           </a:p>
@@ -1830,7 +1830,7 @@
           <a:p>
             <a:fld id="{488F6844-20DC-4406-9125-387AEFBEB0D1}" type="datetimeFigureOut">
               <a:rPr lang="de-AT" smtClean="0"/>
-              <a:t>25.10.2025</a:t>
+              <a:t>03.12.2025</a:t>
             </a:fld>
             <a:endParaRPr lang="de-AT"/>
           </a:p>
@@ -1972,7 +1972,7 @@
           <a:p>
             <a:fld id="{488F6844-20DC-4406-9125-387AEFBEB0D1}" type="datetimeFigureOut">
               <a:rPr lang="de-AT" smtClean="0"/>
-              <a:t>25.10.2025</a:t>
+              <a:t>03.12.2025</a:t>
             </a:fld>
             <a:endParaRPr lang="de-AT"/>
           </a:p>
@@ -2085,7 +2085,7 @@
           <a:p>
             <a:fld id="{488F6844-20DC-4406-9125-387AEFBEB0D1}" type="datetimeFigureOut">
               <a:rPr lang="de-AT" smtClean="0"/>
-              <a:t>25.10.2025</a:t>
+              <a:t>03.12.2025</a:t>
             </a:fld>
             <a:endParaRPr lang="de-AT"/>
           </a:p>
@@ -2398,7 +2398,7 @@
           <a:p>
             <a:fld id="{488F6844-20DC-4406-9125-387AEFBEB0D1}" type="datetimeFigureOut">
               <a:rPr lang="de-AT" smtClean="0"/>
-              <a:t>25.10.2025</a:t>
+              <a:t>03.12.2025</a:t>
             </a:fld>
             <a:endParaRPr lang="de-AT"/>
           </a:p>
@@ -2687,7 +2687,7 @@
           <a:p>
             <a:fld id="{488F6844-20DC-4406-9125-387AEFBEB0D1}" type="datetimeFigureOut">
               <a:rPr lang="de-AT" smtClean="0"/>
-              <a:t>25.10.2025</a:t>
+              <a:t>03.12.2025</a:t>
             </a:fld>
             <a:endParaRPr lang="de-AT"/>
           </a:p>
@@ -2930,7 +2930,7 @@
           <a:p>
             <a:fld id="{488F6844-20DC-4406-9125-387AEFBEB0D1}" type="datetimeFigureOut">
               <a:rPr lang="de-AT" smtClean="0"/>
-              <a:t>25.10.2025</a:t>
+              <a:t>03.12.2025</a:t>
             </a:fld>
             <a:endParaRPr lang="de-AT"/>
           </a:p>
@@ -4354,7 +4354,7 @@
           <p:nvPr>
             <p:extLst>
               <p:ext uri="{D42A27DB-BD31-4B8C-83A1-F6EECF244321}">
-                <p14:modId xmlns:p14="http://schemas.microsoft.com/office/powerpoint/2010/main" val="3863246040"/>
+                <p14:modId xmlns:p14="http://schemas.microsoft.com/office/powerpoint/2010/main" val="3420558969"/>
               </p:ext>
             </p:extLst>
           </p:nvPr>
@@ -4432,7 +4432,7 @@
                     <a:p>
                       <a:r>
                         <a:rPr lang="de-DE" dirty="0"/>
-                        <a:t>Unique</a:t>
+                        <a:t>Deduplicate</a:t>
                       </a:r>
                       <a:endParaRPr lang="de-AT" dirty="0"/>
                     </a:p>

--- a/figures/figure_1.pptx
+++ b/figures/figure_1.pptx
@@ -261,7 +261,7 @@
           <a:p>
             <a:fld id="{488F6844-20DC-4406-9125-387AEFBEB0D1}" type="datetimeFigureOut">
               <a:rPr lang="de-AT" smtClean="0"/>
-              <a:t>03.12.2025</a:t>
+              <a:t>11.12.2025</a:t>
             </a:fld>
             <a:endParaRPr lang="de-AT"/>
           </a:p>
@@ -461,7 +461,7 @@
           <a:p>
             <a:fld id="{488F6844-20DC-4406-9125-387AEFBEB0D1}" type="datetimeFigureOut">
               <a:rPr lang="de-AT" smtClean="0"/>
-              <a:t>03.12.2025</a:t>
+              <a:t>11.12.2025</a:t>
             </a:fld>
             <a:endParaRPr lang="de-AT"/>
           </a:p>
@@ -671,7 +671,7 @@
           <a:p>
             <a:fld id="{488F6844-20DC-4406-9125-387AEFBEB0D1}" type="datetimeFigureOut">
               <a:rPr lang="de-AT" smtClean="0"/>
-              <a:t>03.12.2025</a:t>
+              <a:t>11.12.2025</a:t>
             </a:fld>
             <a:endParaRPr lang="de-AT"/>
           </a:p>
@@ -871,7 +871,7 @@
           <a:p>
             <a:fld id="{488F6844-20DC-4406-9125-387AEFBEB0D1}" type="datetimeFigureOut">
               <a:rPr lang="de-AT" smtClean="0"/>
-              <a:t>03.12.2025</a:t>
+              <a:t>11.12.2025</a:t>
             </a:fld>
             <a:endParaRPr lang="de-AT"/>
           </a:p>
@@ -1147,7 +1147,7 @@
           <a:p>
             <a:fld id="{488F6844-20DC-4406-9125-387AEFBEB0D1}" type="datetimeFigureOut">
               <a:rPr lang="de-AT" smtClean="0"/>
-              <a:t>03.12.2025</a:t>
+              <a:t>11.12.2025</a:t>
             </a:fld>
             <a:endParaRPr lang="de-AT"/>
           </a:p>
@@ -1415,7 +1415,7 @@
           <a:p>
             <a:fld id="{488F6844-20DC-4406-9125-387AEFBEB0D1}" type="datetimeFigureOut">
               <a:rPr lang="de-AT" smtClean="0"/>
-              <a:t>03.12.2025</a:t>
+              <a:t>11.12.2025</a:t>
             </a:fld>
             <a:endParaRPr lang="de-AT"/>
           </a:p>
@@ -1830,7 +1830,7 @@
           <a:p>
             <a:fld id="{488F6844-20DC-4406-9125-387AEFBEB0D1}" type="datetimeFigureOut">
               <a:rPr lang="de-AT" smtClean="0"/>
-              <a:t>03.12.2025</a:t>
+              <a:t>11.12.2025</a:t>
             </a:fld>
             <a:endParaRPr lang="de-AT"/>
           </a:p>
@@ -1972,7 +1972,7 @@
           <a:p>
             <a:fld id="{488F6844-20DC-4406-9125-387AEFBEB0D1}" type="datetimeFigureOut">
               <a:rPr lang="de-AT" smtClean="0"/>
-              <a:t>03.12.2025</a:t>
+              <a:t>11.12.2025</a:t>
             </a:fld>
             <a:endParaRPr lang="de-AT"/>
           </a:p>
@@ -2085,7 +2085,7 @@
           <a:p>
             <a:fld id="{488F6844-20DC-4406-9125-387AEFBEB0D1}" type="datetimeFigureOut">
               <a:rPr lang="de-AT" smtClean="0"/>
-              <a:t>03.12.2025</a:t>
+              <a:t>11.12.2025</a:t>
             </a:fld>
             <a:endParaRPr lang="de-AT"/>
           </a:p>
@@ -2398,7 +2398,7 @@
           <a:p>
             <a:fld id="{488F6844-20DC-4406-9125-387AEFBEB0D1}" type="datetimeFigureOut">
               <a:rPr lang="de-AT" smtClean="0"/>
-              <a:t>03.12.2025</a:t>
+              <a:t>11.12.2025</a:t>
             </a:fld>
             <a:endParaRPr lang="de-AT"/>
           </a:p>
@@ -2687,7 +2687,7 @@
           <a:p>
             <a:fld id="{488F6844-20DC-4406-9125-387AEFBEB0D1}" type="datetimeFigureOut">
               <a:rPr lang="de-AT" smtClean="0"/>
-              <a:t>03.12.2025</a:t>
+              <a:t>11.12.2025</a:t>
             </a:fld>
             <a:endParaRPr lang="de-AT"/>
           </a:p>
@@ -2930,7 +2930,7 @@
           <a:p>
             <a:fld id="{488F6844-20DC-4406-9125-387AEFBEB0D1}" type="datetimeFigureOut">
               <a:rPr lang="de-AT" smtClean="0"/>
-              <a:t>03.12.2025</a:t>
+              <a:t>11.12.2025</a:t>
             </a:fld>
             <a:endParaRPr lang="de-AT"/>
           </a:p>
@@ -3459,7 +3459,7 @@
         </p:nvCxnSpPr>
         <p:spPr>
           <a:xfrm flipH="1">
-            <a:off x="6095998" y="3699449"/>
+            <a:off x="6092686" y="3388597"/>
             <a:ext cx="2" cy="420664"/>
           </a:xfrm>
           <a:prstGeom prst="line">
@@ -3488,10 +3488,10 @@
       </p:cxnSp>
       <p:pic>
         <p:nvPicPr>
-          <p:cNvPr id="18" name="Picture 17">
-            <a:extLst>
-              <a:ext uri="{FF2B5EF4-FFF2-40B4-BE49-F238E27FC236}">
-                <a16:creationId xmlns:a16="http://schemas.microsoft.com/office/drawing/2014/main" id="{709F20FA-7B30-C9B2-B0EC-A869B80F293B}"/>
+          <p:cNvPr id="5" name="Picture 4" descr="A purple and white logo&#10;&#10;AI-generated content may be incorrect.">
+            <a:extLst>
+              <a:ext uri="{FF2B5EF4-FFF2-40B4-BE49-F238E27FC236}">
+                <a16:creationId xmlns:a16="http://schemas.microsoft.com/office/drawing/2014/main" id="{356522AB-8585-3D2F-B859-62E9BBF1FE48}"/>
               </a:ext>
             </a:extLst>
           </p:cNvPr>
@@ -3501,42 +3501,7 @@
           <p:nvPr/>
         </p:nvPicPr>
         <p:blipFill>
-          <a:blip r:embed="rId2"/>
-          <a:stretch>
-            <a:fillRect/>
-          </a:stretch>
-        </p:blipFill>
-        <p:spPr>
-          <a:xfrm>
-            <a:off x="3468755" y="4540135"/>
-            <a:ext cx="5254487" cy="2094804"/>
-          </a:xfrm>
-          <a:prstGeom prst="rect">
-            <a:avLst/>
-          </a:prstGeom>
-          <a:ln w="12700">
-            <a:solidFill>
-              <a:schemeClr val="tx1"/>
-            </a:solidFill>
-          </a:ln>
-        </p:spPr>
-      </p:pic>
-      <p:pic>
-        <p:nvPicPr>
-          <p:cNvPr id="5" name="Picture 4" descr="A purple and white logo&#10;&#10;AI-generated content may be incorrect.">
-            <a:extLst>
-              <a:ext uri="{FF2B5EF4-FFF2-40B4-BE49-F238E27FC236}">
-                <a16:creationId xmlns:a16="http://schemas.microsoft.com/office/drawing/2014/main" id="{356522AB-8585-3D2F-B859-62E9BBF1FE48}"/>
-              </a:ext>
-            </a:extLst>
-          </p:cNvPr>
-          <p:cNvPicPr>
-            <a:picLocks noChangeAspect="1"/>
-          </p:cNvPicPr>
-          <p:nvPr/>
-        </p:nvPicPr>
-        <p:blipFill>
-          <a:blip r:embed="rId3">
+          <a:blip r:embed="rId2">
             <a:extLst>
               <a:ext uri="{28A0092B-C50C-407E-A947-70E740481C1C}">
                 <a14:useLocalDpi xmlns:a14="http://schemas.microsoft.com/office/drawing/2010/main" val="0"/>
@@ -3572,7 +3537,7 @@
           <p:nvPr>
             <p:extLst>
               <p:ext uri="{D42A27DB-BD31-4B8C-83A1-F6EECF244321}">
-                <p14:modId xmlns:p14="http://schemas.microsoft.com/office/powerpoint/2010/main" val="4100915290"/>
+                <p14:modId xmlns:p14="http://schemas.microsoft.com/office/powerpoint/2010/main" val="1438579884"/>
               </p:ext>
             </p:extLst>
           </p:nvPr>
@@ -3634,7 +3599,11 @@
                       <a:endParaRPr lang="de-AT" dirty="0"/>
                     </a:p>
                   </a:txBody>
-                  <a:tcPr/>
+                  <a:tcPr>
+                    <a:solidFill>
+                      <a:srgbClr val="E5DFFF"/>
+                    </a:solidFill>
+                  </a:tcPr>
                 </a:tc>
                 <a:extLst>
                   <a:ext uri="{0D108BD9-81ED-4DB2-BD59-A6C34878D82A}">
@@ -3655,7 +3624,11 @@
                       <a:endParaRPr lang="de-AT" dirty="0"/>
                     </a:p>
                   </a:txBody>
-                  <a:tcPr/>
+                  <a:tcPr>
+                    <a:solidFill>
+                      <a:srgbClr val="E5DFFF"/>
+                    </a:solidFill>
+                  </a:tcPr>
                 </a:tc>
                 <a:extLst>
                   <a:ext uri="{0D108BD9-81ED-4DB2-BD59-A6C34878D82A}">
@@ -3676,7 +3649,11 @@
                       <a:endParaRPr lang="de-AT" dirty="0"/>
                     </a:p>
                   </a:txBody>
-                  <a:tcPr/>
+                  <a:tcPr>
+                    <a:solidFill>
+                      <a:srgbClr val="E5DFFF"/>
+                    </a:solidFill>
+                  </a:tcPr>
                 </a:tc>
                 <a:extLst>
                   <a:ext uri="{0D108BD9-81ED-4DB2-BD59-A6C34878D82A}">
@@ -3697,7 +3674,11 @@
                       <a:endParaRPr lang="de-AT" dirty="0"/>
                     </a:p>
                   </a:txBody>
-                  <a:tcPr/>
+                  <a:tcPr>
+                    <a:solidFill>
+                      <a:srgbClr val="E5DFFF"/>
+                    </a:solidFill>
+                  </a:tcPr>
                 </a:tc>
                 <a:extLst>
                   <a:ext uri="{0D108BD9-81ED-4DB2-BD59-A6C34878D82A}">
@@ -3717,7 +3698,11 @@
                       </a:r>
                     </a:p>
                   </a:txBody>
-                  <a:tcPr/>
+                  <a:tcPr>
+                    <a:solidFill>
+                      <a:srgbClr val="E5DFFF"/>
+                    </a:solidFill>
+                  </a:tcPr>
                 </a:tc>
                 <a:extLst>
                   <a:ext uri="{0D108BD9-81ED-4DB2-BD59-A6C34878D82A}">
@@ -3737,7 +3722,11 @@
                       </a:r>
                     </a:p>
                   </a:txBody>
-                  <a:tcPr/>
+                  <a:tcPr>
+                    <a:solidFill>
+                      <a:srgbClr val="E5DFFF"/>
+                    </a:solidFill>
+                  </a:tcPr>
                 </a:tc>
                 <a:extLst>
                   <a:ext uri="{0D108BD9-81ED-4DB2-BD59-A6C34878D82A}">
@@ -3757,7 +3746,11 @@
                       </a:r>
                     </a:p>
                   </a:txBody>
-                  <a:tcPr/>
+                  <a:tcPr>
+                    <a:solidFill>
+                      <a:srgbClr val="E5DFFF"/>
+                    </a:solidFill>
+                  </a:tcPr>
                 </a:tc>
                 <a:extLst>
                   <a:ext uri="{0D108BD9-81ED-4DB2-BD59-A6C34878D82A}">
@@ -3777,7 +3770,11 @@
                       </a:r>
                     </a:p>
                   </a:txBody>
-                  <a:tcPr/>
+                  <a:tcPr>
+                    <a:solidFill>
+                      <a:srgbClr val="E5DFFF"/>
+                    </a:solidFill>
+                  </a:tcPr>
                 </a:tc>
                 <a:extLst>
                   <a:ext uri="{0D108BD9-81ED-4DB2-BD59-A6C34878D82A}">
@@ -3797,7 +3794,11 @@
                       </a:r>
                     </a:p>
                   </a:txBody>
-                  <a:tcPr/>
+                  <a:tcPr>
+                    <a:solidFill>
+                      <a:srgbClr val="E5DFFF"/>
+                    </a:solidFill>
+                  </a:tcPr>
                 </a:tc>
                 <a:extLst>
                   <a:ext uri="{0D108BD9-81ED-4DB2-BD59-A6C34878D82A}">
@@ -3945,7 +3946,7 @@
           <p:nvPr>
             <p:extLst>
               <p:ext uri="{D42A27DB-BD31-4B8C-83A1-F6EECF244321}">
-                <p14:modId xmlns:p14="http://schemas.microsoft.com/office/powerpoint/2010/main" val="410871493"/>
+                <p14:modId xmlns:p14="http://schemas.microsoft.com/office/powerpoint/2010/main" val="1169823270"/>
               </p:ext>
             </p:extLst>
           </p:nvPr>
@@ -4007,7 +4008,11 @@
                       <a:endParaRPr lang="de-AT" dirty="0"/>
                     </a:p>
                   </a:txBody>
-                  <a:tcPr/>
+                  <a:tcPr>
+                    <a:solidFill>
+                      <a:srgbClr val="E5DFFF"/>
+                    </a:solidFill>
+                  </a:tcPr>
                 </a:tc>
                 <a:extLst>
                   <a:ext uri="{0D108BD9-81ED-4DB2-BD59-A6C34878D82A}">
@@ -4028,7 +4033,11 @@
                       <a:endParaRPr lang="de-AT" dirty="0"/>
                     </a:p>
                   </a:txBody>
-                  <a:tcPr/>
+                  <a:tcPr>
+                    <a:solidFill>
+                      <a:srgbClr val="E5DFFF"/>
+                    </a:solidFill>
+                  </a:tcPr>
                 </a:tc>
                 <a:extLst>
                   <a:ext uri="{0D108BD9-81ED-4DB2-BD59-A6C34878D82A}">
@@ -4066,7 +4075,11 @@
                       <a:endParaRPr lang="de-AT" dirty="0"/>
                     </a:p>
                   </a:txBody>
-                  <a:tcPr/>
+                  <a:tcPr>
+                    <a:solidFill>
+                      <a:srgbClr val="E5DFFF"/>
+                    </a:solidFill>
+                  </a:tcPr>
                 </a:tc>
                 <a:extLst>
                   <a:ext uri="{0D108BD9-81ED-4DB2-BD59-A6C34878D82A}">
@@ -4104,7 +4117,11 @@
                       <a:endParaRPr lang="de-AT" dirty="0"/>
                     </a:p>
                   </a:txBody>
-                  <a:tcPr/>
+                  <a:tcPr>
+                    <a:solidFill>
+                      <a:srgbClr val="E5DFFF"/>
+                    </a:solidFill>
+                  </a:tcPr>
                 </a:tc>
                 <a:extLst>
                   <a:ext uri="{0D108BD9-81ED-4DB2-BD59-A6C34878D82A}">
@@ -4142,7 +4159,11 @@
                       <a:endParaRPr lang="de-AT" dirty="0"/>
                     </a:p>
                   </a:txBody>
-                  <a:tcPr/>
+                  <a:tcPr>
+                    <a:solidFill>
+                      <a:srgbClr val="E5DFFF"/>
+                    </a:solidFill>
+                  </a:tcPr>
                 </a:tc>
                 <a:extLst>
                   <a:ext uri="{0D108BD9-81ED-4DB2-BD59-A6C34878D82A}">
@@ -4179,7 +4200,11 @@
                       </a:r>
                     </a:p>
                   </a:txBody>
-                  <a:tcPr/>
+                  <a:tcPr>
+                    <a:solidFill>
+                      <a:srgbClr val="E5DFFF"/>
+                    </a:solidFill>
+                  </a:tcPr>
                 </a:tc>
                 <a:extLst>
                   <a:ext uri="{0D108BD9-81ED-4DB2-BD59-A6C34878D82A}">
@@ -4216,7 +4241,11 @@
                       </a:r>
                     </a:p>
                   </a:txBody>
-                  <a:tcPr/>
+                  <a:tcPr>
+                    <a:solidFill>
+                      <a:srgbClr val="E5DFFF"/>
+                    </a:solidFill>
+                  </a:tcPr>
                 </a:tc>
                 <a:extLst>
                   <a:ext uri="{0D108BD9-81ED-4DB2-BD59-A6C34878D82A}">
@@ -4253,7 +4282,11 @@
                       </a:r>
                     </a:p>
                   </a:txBody>
-                  <a:tcPr/>
+                  <a:tcPr>
+                    <a:solidFill>
+                      <a:srgbClr val="E5DFFF"/>
+                    </a:solidFill>
+                  </a:tcPr>
                 </a:tc>
                 <a:extLst>
                   <a:ext uri="{0D108BD9-81ED-4DB2-BD59-A6C34878D82A}">
@@ -4290,7 +4323,11 @@
                       </a:r>
                     </a:p>
                   </a:txBody>
-                  <a:tcPr/>
+                  <a:tcPr>
+                    <a:solidFill>
+                      <a:srgbClr val="E5DFFF"/>
+                    </a:solidFill>
+                  </a:tcPr>
                 </a:tc>
                 <a:extLst>
                   <a:ext uri="{0D108BD9-81ED-4DB2-BD59-A6C34878D82A}">
@@ -4526,14 +4563,14 @@
           <p:nvPr>
             <p:extLst>
               <p:ext uri="{D42A27DB-BD31-4B8C-83A1-F6EECF244321}">
-                <p14:modId xmlns:p14="http://schemas.microsoft.com/office/powerpoint/2010/main" val="2667228518"/>
+                <p14:modId xmlns:p14="http://schemas.microsoft.com/office/powerpoint/2010/main" val="1418553474"/>
               </p:ext>
             </p:extLst>
           </p:nvPr>
         </p:nvGraphicFramePr>
         <p:xfrm>
-          <a:off x="3462129" y="4126739"/>
-          <a:ext cx="5267739" cy="373640"/>
+          <a:off x="3455505" y="3809261"/>
+          <a:ext cx="5280994" cy="373640"/>
         </p:xfrm>
         <a:graphic>
           <a:graphicData uri="http://schemas.openxmlformats.org/drawingml/2006/table">
@@ -4542,7 +4579,7 @@
                 <a:tableStyleId>{7E9639D4-E3E2-4D34-9284-5A2195B3D0D7}</a:tableStyleId>
               </a:tblPr>
               <a:tblGrid>
-                <a:gridCol w="5267739">
+                <a:gridCol w="5280994">
                   <a:extLst>
                     <a:ext uri="{9D8B030D-6E8A-4147-A177-3AD203B41FA5}">
                       <a16:colId xmlns:a16="http://schemas.microsoft.com/office/drawing/2014/main" val="2097090889"/>
@@ -4797,6 +4834,47 @@
           </a:p>
         </p:txBody>
       </p:sp>
+      <p:pic>
+        <p:nvPicPr>
+          <p:cNvPr id="3" name="Picture 2" descr="A screenshot of a computer&#10;&#10;AI-generated content may be incorrect.">
+            <a:extLst>
+              <a:ext uri="{FF2B5EF4-FFF2-40B4-BE49-F238E27FC236}">
+                <a16:creationId xmlns:a16="http://schemas.microsoft.com/office/drawing/2014/main" id="{74AA235B-3752-CD89-A866-7D3BA45B01A2}"/>
+              </a:ext>
+            </a:extLst>
+          </p:cNvPr>
+          <p:cNvPicPr>
+            <a:picLocks noChangeAspect="1"/>
+          </p:cNvPicPr>
+          <p:nvPr/>
+        </p:nvPicPr>
+        <p:blipFill>
+          <a:blip r:embed="rId3">
+            <a:extLst>
+              <a:ext uri="{28A0092B-C50C-407E-A947-70E740481C1C}">
+                <a14:useLocalDpi xmlns:a14="http://schemas.microsoft.com/office/drawing/2010/main" val="0"/>
+              </a:ext>
+            </a:extLst>
+          </a:blip>
+          <a:stretch>
+            <a:fillRect/>
+          </a:stretch>
+        </p:blipFill>
+        <p:spPr>
+          <a:xfrm>
+            <a:off x="3455505" y="4260458"/>
+            <a:ext cx="5280994" cy="2374485"/>
+          </a:xfrm>
+          <a:prstGeom prst="rect">
+            <a:avLst/>
+          </a:prstGeom>
+          <a:ln w="12700">
+            <a:solidFill>
+              <a:schemeClr val="tx1"/>
+            </a:solidFill>
+          </a:ln>
+        </p:spPr>
+      </p:pic>
     </p:spTree>
     <p:extLst>
       <p:ext uri="{BB962C8B-B14F-4D97-AF65-F5344CB8AC3E}">
